--- a/P02/P02-erd.pptx
+++ b/P02/P02-erd.pptx
@@ -261,7 +261,7 @@
           <a:p>
             <a:fld id="{9974A466-5610-4CF2-AE9D-428DA30A45BE}" type="datetimeFigureOut">
               <a:rPr lang="en-SG" smtClean="0"/>
-              <a:t>20/2/2026</a:t>
+              <a:t>20/2/26</a:t>
             </a:fld>
             <a:endParaRPr lang="en-SG"/>
           </a:p>
@@ -461,7 +461,7 @@
           <a:p>
             <a:fld id="{9974A466-5610-4CF2-AE9D-428DA30A45BE}" type="datetimeFigureOut">
               <a:rPr lang="en-SG" smtClean="0"/>
-              <a:t>20/2/2026</a:t>
+              <a:t>20/2/26</a:t>
             </a:fld>
             <a:endParaRPr lang="en-SG"/>
           </a:p>
@@ -671,7 +671,7 @@
           <a:p>
             <a:fld id="{9974A466-5610-4CF2-AE9D-428DA30A45BE}" type="datetimeFigureOut">
               <a:rPr lang="en-SG" smtClean="0"/>
-              <a:t>20/2/2026</a:t>
+              <a:t>20/2/26</a:t>
             </a:fld>
             <a:endParaRPr lang="en-SG"/>
           </a:p>
@@ -871,7 +871,7 @@
           <a:p>
             <a:fld id="{9974A466-5610-4CF2-AE9D-428DA30A45BE}" type="datetimeFigureOut">
               <a:rPr lang="en-SG" smtClean="0"/>
-              <a:t>20/2/2026</a:t>
+              <a:t>20/2/26</a:t>
             </a:fld>
             <a:endParaRPr lang="en-SG"/>
           </a:p>
@@ -1147,7 +1147,7 @@
           <a:p>
             <a:fld id="{9974A466-5610-4CF2-AE9D-428DA30A45BE}" type="datetimeFigureOut">
               <a:rPr lang="en-SG" smtClean="0"/>
-              <a:t>20/2/2026</a:t>
+              <a:t>20/2/26</a:t>
             </a:fld>
             <a:endParaRPr lang="en-SG"/>
           </a:p>
@@ -1415,7 +1415,7 @@
           <a:p>
             <a:fld id="{9974A466-5610-4CF2-AE9D-428DA30A45BE}" type="datetimeFigureOut">
               <a:rPr lang="en-SG" smtClean="0"/>
-              <a:t>20/2/2026</a:t>
+              <a:t>20/2/26</a:t>
             </a:fld>
             <a:endParaRPr lang="en-SG"/>
           </a:p>
@@ -1830,7 +1830,7 @@
           <a:p>
             <a:fld id="{9974A466-5610-4CF2-AE9D-428DA30A45BE}" type="datetimeFigureOut">
               <a:rPr lang="en-SG" smtClean="0"/>
-              <a:t>20/2/2026</a:t>
+              <a:t>20/2/26</a:t>
             </a:fld>
             <a:endParaRPr lang="en-SG"/>
           </a:p>
@@ -1972,7 +1972,7 @@
           <a:p>
             <a:fld id="{9974A466-5610-4CF2-AE9D-428DA30A45BE}" type="datetimeFigureOut">
               <a:rPr lang="en-SG" smtClean="0"/>
-              <a:t>20/2/2026</a:t>
+              <a:t>20/2/26</a:t>
             </a:fld>
             <a:endParaRPr lang="en-SG"/>
           </a:p>
@@ -2085,7 +2085,7 @@
           <a:p>
             <a:fld id="{9974A466-5610-4CF2-AE9D-428DA30A45BE}" type="datetimeFigureOut">
               <a:rPr lang="en-SG" smtClean="0"/>
-              <a:t>20/2/2026</a:t>
+              <a:t>20/2/26</a:t>
             </a:fld>
             <a:endParaRPr lang="en-SG"/>
           </a:p>
@@ -2398,7 +2398,7 @@
           <a:p>
             <a:fld id="{9974A466-5610-4CF2-AE9D-428DA30A45BE}" type="datetimeFigureOut">
               <a:rPr lang="en-SG" smtClean="0"/>
-              <a:t>20/2/2026</a:t>
+              <a:t>20/2/26</a:t>
             </a:fld>
             <a:endParaRPr lang="en-SG"/>
           </a:p>
@@ -2687,7 +2687,7 @@
           <a:p>
             <a:fld id="{9974A466-5610-4CF2-AE9D-428DA30A45BE}" type="datetimeFigureOut">
               <a:rPr lang="en-SG" smtClean="0"/>
-              <a:t>20/2/2026</a:t>
+              <a:t>20/2/26</a:t>
             </a:fld>
             <a:endParaRPr lang="en-SG"/>
           </a:p>
@@ -2930,7 +2930,7 @@
           <a:p>
             <a:fld id="{9974A466-5610-4CF2-AE9D-428DA30A45BE}" type="datetimeFigureOut">
               <a:rPr lang="en-SG" smtClean="0"/>
-              <a:t>20/2/2026</a:t>
+              <a:t>20/2/26</a:t>
             </a:fld>
             <a:endParaRPr lang="en-SG"/>
           </a:p>
@@ -3361,8 +3361,8 @@
         </p:nvGrpSpPr>
         <p:grpSpPr>
           <a:xfrm>
-            <a:off x="5296025" y="2611938"/>
-            <a:ext cx="1815165" cy="905787"/>
+            <a:off x="5317340" y="2528442"/>
+            <a:ext cx="1811600" cy="1039720"/>
             <a:chOff x="3074504" y="1020417"/>
             <a:chExt cx="1260000" cy="467999"/>
           </a:xfrm>
@@ -4192,10 +4192,10 @@
       </p:cxnSp>
       <p:sp>
         <p:nvSpPr>
-          <p:cNvPr id="35" name="Oval 34">
-            <a:extLst>
-              <a:ext uri="{FF2B5EF4-FFF2-40B4-BE49-F238E27FC236}">
-                <a16:creationId xmlns:a16="http://schemas.microsoft.com/office/drawing/2014/main" id="{AA98712E-E614-30B1-D7CB-EB0D4DED173F}"/>
+          <p:cNvPr id="39" name="Oval 38">
+            <a:extLst>
+              <a:ext uri="{FF2B5EF4-FFF2-40B4-BE49-F238E27FC236}">
+                <a16:creationId xmlns:a16="http://schemas.microsoft.com/office/drawing/2014/main" id="{F42022B3-5485-1FD7-73D2-23A6CAC20440}"/>
               </a:ext>
             </a:extLst>
           </p:cNvPr>
@@ -4204,7 +4204,104 @@
         </p:nvSpPr>
         <p:spPr>
           <a:xfrm>
-            <a:off x="1778596" y="728152"/>
+            <a:off x="973261" y="6013327"/>
+            <a:ext cx="216000" cy="216000"/>
+          </a:xfrm>
+          <a:prstGeom prst="ellipse">
+            <a:avLst/>
+          </a:prstGeom>
+          <a:solidFill>
+            <a:schemeClr val="tx1"/>
+          </a:solidFill>
+          <a:ln w="19050">
+            <a:solidFill>
+              <a:schemeClr val="tx1"/>
+            </a:solidFill>
+          </a:ln>
+        </p:spPr>
+        <p:style>
+          <a:lnRef idx="2">
+            <a:schemeClr val="accent1">
+              <a:shade val="15000"/>
+            </a:schemeClr>
+          </a:lnRef>
+          <a:fillRef idx="1">
+            <a:schemeClr val="accent1"/>
+          </a:fillRef>
+          <a:effectRef idx="0">
+            <a:schemeClr val="accent1"/>
+          </a:effectRef>
+          <a:fontRef idx="minor">
+            <a:schemeClr val="lt1"/>
+          </a:fontRef>
+        </p:style>
+        <p:txBody>
+          <a:bodyPr rtlCol="0" anchor="ctr"/>
+          <a:lstStyle/>
+          <a:p>
+            <a:pPr algn="ctr"/>
+            <a:endParaRPr lang="en-GB" dirty="0"/>
+          </a:p>
+        </p:txBody>
+      </p:sp>
+      <p:cxnSp>
+        <p:nvCxnSpPr>
+          <p:cNvPr id="40" name="Straight Connector 39">
+            <a:extLst>
+              <a:ext uri="{FF2B5EF4-FFF2-40B4-BE49-F238E27FC236}">
+                <a16:creationId xmlns:a16="http://schemas.microsoft.com/office/drawing/2014/main" id="{43DB8E33-6B19-08F8-DD8F-B2930E856780}"/>
+              </a:ext>
+            </a:extLst>
+          </p:cNvPr>
+          <p:cNvCxnSpPr>
+            <a:cxnSpLocks/>
+          </p:cNvCxnSpPr>
+          <p:nvPr/>
+        </p:nvCxnSpPr>
+        <p:spPr>
+          <a:xfrm flipV="1">
+            <a:off x="1081261" y="5411667"/>
+            <a:ext cx="0" cy="601663"/>
+          </a:xfrm>
+          <a:prstGeom prst="line">
+            <a:avLst/>
+          </a:prstGeom>
+          <a:ln w="19050">
+            <a:solidFill>
+              <a:schemeClr val="tx1"/>
+            </a:solidFill>
+          </a:ln>
+        </p:spPr>
+        <p:style>
+          <a:lnRef idx="1">
+            <a:schemeClr val="accent1"/>
+          </a:lnRef>
+          <a:fillRef idx="0">
+            <a:schemeClr val="accent1"/>
+          </a:fillRef>
+          <a:effectRef idx="0">
+            <a:schemeClr val="accent1"/>
+          </a:effectRef>
+          <a:fontRef idx="minor">
+            <a:schemeClr val="tx1"/>
+          </a:fontRef>
+        </p:style>
+      </p:cxnSp>
+      <p:sp>
+        <p:nvSpPr>
+          <p:cNvPr id="42" name="Oval 41">
+            <a:extLst>
+              <a:ext uri="{FF2B5EF4-FFF2-40B4-BE49-F238E27FC236}">
+                <a16:creationId xmlns:a16="http://schemas.microsoft.com/office/drawing/2014/main" id="{FBD2CF19-A9C9-42A1-D35B-2859A08548A7}"/>
+              </a:ext>
+            </a:extLst>
+          </p:cNvPr>
+          <p:cNvSpPr/>
+          <p:nvPr/>
+        </p:nvSpPr>
+        <p:spPr>
+          <a:xfrm>
+            <a:off x="1920562" y="6013327"/>
             <a:ext cx="216000" cy="216000"/>
           </a:xfrm>
           <a:prstGeom prst="ellipse">
@@ -4246,10 +4343,10 @@
       </p:sp>
       <p:cxnSp>
         <p:nvCxnSpPr>
-          <p:cNvPr id="36" name="Straight Connector 35">
-            <a:extLst>
-              <a:ext uri="{FF2B5EF4-FFF2-40B4-BE49-F238E27FC236}">
-                <a16:creationId xmlns:a16="http://schemas.microsoft.com/office/drawing/2014/main" id="{DDC81DE9-1FC8-496A-1410-F72961CAE593}"/>
+          <p:cNvPr id="43" name="Straight Connector 42">
+            <a:extLst>
+              <a:ext uri="{FF2B5EF4-FFF2-40B4-BE49-F238E27FC236}">
+                <a16:creationId xmlns:a16="http://schemas.microsoft.com/office/drawing/2014/main" id="{38EA2FBF-DB5A-5DF2-EAE5-D7E98C6904DF}"/>
               </a:ext>
             </a:extLst>
           </p:cNvPr>
@@ -4260,7 +4357,7 @@
         </p:nvCxnSpPr>
         <p:spPr>
           <a:xfrm flipV="1">
-            <a:off x="1888530" y="937551"/>
+            <a:off x="2016750" y="5417042"/>
             <a:ext cx="0" cy="596287"/>
           </a:xfrm>
           <a:prstGeom prst="line">
@@ -4289,10 +4386,10 @@
       </p:cxnSp>
       <p:sp>
         <p:nvSpPr>
-          <p:cNvPr id="39" name="Oval 38">
-            <a:extLst>
-              <a:ext uri="{FF2B5EF4-FFF2-40B4-BE49-F238E27FC236}">
-                <a16:creationId xmlns:a16="http://schemas.microsoft.com/office/drawing/2014/main" id="{F42022B3-5485-1FD7-73D2-23A6CAC20440}"/>
+          <p:cNvPr id="45" name="Oval 44">
+            <a:extLst>
+              <a:ext uri="{FF2B5EF4-FFF2-40B4-BE49-F238E27FC236}">
+                <a16:creationId xmlns:a16="http://schemas.microsoft.com/office/drawing/2014/main" id="{BBFFA5FE-9245-6112-E092-D3B2CBE50303}"/>
               </a:ext>
             </a:extLst>
           </p:cNvPr>
@@ -4301,7 +4398,7 @@
         </p:nvSpPr>
         <p:spPr>
           <a:xfrm>
-            <a:off x="973261" y="6013327"/>
+            <a:off x="1396546" y="6013327"/>
             <a:ext cx="216000" cy="216000"/>
           </a:xfrm>
           <a:prstGeom prst="ellipse">
@@ -4343,10 +4440,10 @@
       </p:sp>
       <p:cxnSp>
         <p:nvCxnSpPr>
-          <p:cNvPr id="40" name="Straight Connector 39">
-            <a:extLst>
-              <a:ext uri="{FF2B5EF4-FFF2-40B4-BE49-F238E27FC236}">
-                <a16:creationId xmlns:a16="http://schemas.microsoft.com/office/drawing/2014/main" id="{43DB8E33-6B19-08F8-DD8F-B2930E856780}"/>
+          <p:cNvPr id="46" name="Straight Connector 45">
+            <a:extLst>
+              <a:ext uri="{FF2B5EF4-FFF2-40B4-BE49-F238E27FC236}">
+                <a16:creationId xmlns:a16="http://schemas.microsoft.com/office/drawing/2014/main" id="{B8522F4D-D444-5A7D-D851-D10B1A8035E3}"/>
               </a:ext>
             </a:extLst>
           </p:cNvPr>
@@ -4357,7 +4454,7 @@
         </p:nvCxnSpPr>
         <p:spPr>
           <a:xfrm flipV="1">
-            <a:off x="1081261" y="5411667"/>
+            <a:off x="1504546" y="5411667"/>
             <a:ext cx="0" cy="601663"/>
           </a:xfrm>
           <a:prstGeom prst="line">
@@ -4386,10 +4483,10 @@
       </p:cxnSp>
       <p:sp>
         <p:nvSpPr>
-          <p:cNvPr id="42" name="Oval 41">
-            <a:extLst>
-              <a:ext uri="{FF2B5EF4-FFF2-40B4-BE49-F238E27FC236}">
-                <a16:creationId xmlns:a16="http://schemas.microsoft.com/office/drawing/2014/main" id="{FBD2CF19-A9C9-42A1-D35B-2859A08548A7}"/>
+          <p:cNvPr id="48" name="Oval 47">
+            <a:extLst>
+              <a:ext uri="{FF2B5EF4-FFF2-40B4-BE49-F238E27FC236}">
+                <a16:creationId xmlns:a16="http://schemas.microsoft.com/office/drawing/2014/main" id="{7AA72BA9-AE54-458F-DE81-E33D24A24741}"/>
               </a:ext>
             </a:extLst>
           </p:cNvPr>
@@ -4398,104 +4495,7 @@
         </p:nvSpPr>
         <p:spPr>
           <a:xfrm>
-            <a:off x="1920562" y="6013327"/>
-            <a:ext cx="216000" cy="216000"/>
-          </a:xfrm>
-          <a:prstGeom prst="ellipse">
-            <a:avLst/>
-          </a:prstGeom>
-          <a:solidFill>
-            <a:schemeClr val="bg1"/>
-          </a:solidFill>
-          <a:ln w="19050">
-            <a:solidFill>
-              <a:schemeClr val="tx1"/>
-            </a:solidFill>
-          </a:ln>
-        </p:spPr>
-        <p:style>
-          <a:lnRef idx="2">
-            <a:schemeClr val="accent1">
-              <a:shade val="15000"/>
-            </a:schemeClr>
-          </a:lnRef>
-          <a:fillRef idx="1">
-            <a:schemeClr val="accent1"/>
-          </a:fillRef>
-          <a:effectRef idx="0">
-            <a:schemeClr val="accent1"/>
-          </a:effectRef>
-          <a:fontRef idx="minor">
-            <a:schemeClr val="lt1"/>
-          </a:fontRef>
-        </p:style>
-        <p:txBody>
-          <a:bodyPr rtlCol="0" anchor="ctr"/>
-          <a:lstStyle/>
-          <a:p>
-            <a:pPr algn="ctr"/>
-            <a:endParaRPr lang="en-GB"/>
-          </a:p>
-        </p:txBody>
-      </p:sp>
-      <p:cxnSp>
-        <p:nvCxnSpPr>
-          <p:cNvPr id="43" name="Straight Connector 42">
-            <a:extLst>
-              <a:ext uri="{FF2B5EF4-FFF2-40B4-BE49-F238E27FC236}">
-                <a16:creationId xmlns:a16="http://schemas.microsoft.com/office/drawing/2014/main" id="{38EA2FBF-DB5A-5DF2-EAE5-D7E98C6904DF}"/>
-              </a:ext>
-            </a:extLst>
-          </p:cNvPr>
-          <p:cNvCxnSpPr>
-            <a:cxnSpLocks/>
-          </p:cNvCxnSpPr>
-          <p:nvPr/>
-        </p:nvCxnSpPr>
-        <p:spPr>
-          <a:xfrm flipV="1">
-            <a:off x="2016750" y="5417042"/>
-            <a:ext cx="0" cy="596287"/>
-          </a:xfrm>
-          <a:prstGeom prst="line">
-            <a:avLst/>
-          </a:prstGeom>
-          <a:ln w="19050">
-            <a:solidFill>
-              <a:schemeClr val="tx1"/>
-            </a:solidFill>
-          </a:ln>
-        </p:spPr>
-        <p:style>
-          <a:lnRef idx="1">
-            <a:schemeClr val="accent1"/>
-          </a:lnRef>
-          <a:fillRef idx="0">
-            <a:schemeClr val="accent1"/>
-          </a:fillRef>
-          <a:effectRef idx="0">
-            <a:schemeClr val="accent1"/>
-          </a:effectRef>
-          <a:fontRef idx="minor">
-            <a:schemeClr val="tx1"/>
-          </a:fontRef>
-        </p:style>
-      </p:cxnSp>
-      <p:sp>
-        <p:nvSpPr>
-          <p:cNvPr id="45" name="Oval 44">
-            <a:extLst>
-              <a:ext uri="{FF2B5EF4-FFF2-40B4-BE49-F238E27FC236}">
-                <a16:creationId xmlns:a16="http://schemas.microsoft.com/office/drawing/2014/main" id="{BBFFA5FE-9245-6112-E092-D3B2CBE50303}"/>
-              </a:ext>
-            </a:extLst>
-          </p:cNvPr>
-          <p:cNvSpPr/>
-          <p:nvPr/>
-        </p:nvSpPr>
-        <p:spPr>
-          <a:xfrm>
-            <a:off x="1396546" y="6013327"/>
+            <a:off x="2847647" y="3106443"/>
             <a:ext cx="216000" cy="216000"/>
           </a:xfrm>
           <a:prstGeom prst="ellipse">
@@ -4537,10 +4537,10 @@
       </p:sp>
       <p:cxnSp>
         <p:nvCxnSpPr>
-          <p:cNvPr id="46" name="Straight Connector 45">
-            <a:extLst>
-              <a:ext uri="{FF2B5EF4-FFF2-40B4-BE49-F238E27FC236}">
-                <a16:creationId xmlns:a16="http://schemas.microsoft.com/office/drawing/2014/main" id="{B8522F4D-D444-5A7D-D851-D10B1A8035E3}"/>
+          <p:cNvPr id="49" name="Straight Connector 48">
+            <a:extLst>
+              <a:ext uri="{FF2B5EF4-FFF2-40B4-BE49-F238E27FC236}">
+                <a16:creationId xmlns:a16="http://schemas.microsoft.com/office/drawing/2014/main" id="{57806330-0B2C-4E33-E5F6-D247576473B9}"/>
               </a:ext>
             </a:extLst>
           </p:cNvPr>
@@ -4550,9 +4550,9 @@
           <p:nvPr/>
         </p:nvCxnSpPr>
         <p:spPr>
-          <a:xfrm flipV="1">
-            <a:off x="1504546" y="5411667"/>
-            <a:ext cx="0" cy="601663"/>
+          <a:xfrm>
+            <a:off x="8941568" y="3106443"/>
+            <a:ext cx="360503" cy="0"/>
           </a:xfrm>
           <a:prstGeom prst="line">
             <a:avLst/>
@@ -4580,103 +4580,6 @@
       </p:cxnSp>
       <p:sp>
         <p:nvSpPr>
-          <p:cNvPr id="48" name="Oval 47">
-            <a:extLst>
-              <a:ext uri="{FF2B5EF4-FFF2-40B4-BE49-F238E27FC236}">
-                <a16:creationId xmlns:a16="http://schemas.microsoft.com/office/drawing/2014/main" id="{7AA72BA9-AE54-458F-DE81-E33D24A24741}"/>
-              </a:ext>
-            </a:extLst>
-          </p:cNvPr>
-          <p:cNvSpPr/>
-          <p:nvPr/>
-        </p:nvSpPr>
-        <p:spPr>
-          <a:xfrm>
-            <a:off x="2847647" y="3106443"/>
-            <a:ext cx="216000" cy="216000"/>
-          </a:xfrm>
-          <a:prstGeom prst="ellipse">
-            <a:avLst/>
-          </a:prstGeom>
-          <a:solidFill>
-            <a:schemeClr val="tx1"/>
-          </a:solidFill>
-          <a:ln w="19050">
-            <a:solidFill>
-              <a:schemeClr val="tx1"/>
-            </a:solidFill>
-          </a:ln>
-        </p:spPr>
-        <p:style>
-          <a:lnRef idx="2">
-            <a:schemeClr val="accent1">
-              <a:shade val="15000"/>
-            </a:schemeClr>
-          </a:lnRef>
-          <a:fillRef idx="1">
-            <a:schemeClr val="accent1"/>
-          </a:fillRef>
-          <a:effectRef idx="0">
-            <a:schemeClr val="accent1"/>
-          </a:effectRef>
-          <a:fontRef idx="minor">
-            <a:schemeClr val="lt1"/>
-          </a:fontRef>
-        </p:style>
-        <p:txBody>
-          <a:bodyPr rtlCol="0" anchor="ctr"/>
-          <a:lstStyle/>
-          <a:p>
-            <a:pPr algn="ctr"/>
-            <a:endParaRPr lang="en-GB" dirty="0"/>
-          </a:p>
-        </p:txBody>
-      </p:sp>
-      <p:cxnSp>
-        <p:nvCxnSpPr>
-          <p:cNvPr id="49" name="Straight Connector 48">
-            <a:extLst>
-              <a:ext uri="{FF2B5EF4-FFF2-40B4-BE49-F238E27FC236}">
-                <a16:creationId xmlns:a16="http://schemas.microsoft.com/office/drawing/2014/main" id="{57806330-0B2C-4E33-E5F6-D247576473B9}"/>
-              </a:ext>
-            </a:extLst>
-          </p:cNvPr>
-          <p:cNvCxnSpPr>
-            <a:cxnSpLocks/>
-          </p:cNvCxnSpPr>
-          <p:nvPr/>
-        </p:nvCxnSpPr>
-        <p:spPr>
-          <a:xfrm>
-            <a:off x="8941568" y="3106443"/>
-            <a:ext cx="360503" cy="0"/>
-          </a:xfrm>
-          <a:prstGeom prst="line">
-            <a:avLst/>
-          </a:prstGeom>
-          <a:ln w="19050">
-            <a:solidFill>
-              <a:schemeClr val="tx1"/>
-            </a:solidFill>
-          </a:ln>
-        </p:spPr>
-        <p:style>
-          <a:lnRef idx="1">
-            <a:schemeClr val="accent1"/>
-          </a:lnRef>
-          <a:fillRef idx="0">
-            <a:schemeClr val="accent1"/>
-          </a:fillRef>
-          <a:effectRef idx="0">
-            <a:schemeClr val="accent1"/>
-          </a:effectRef>
-          <a:fontRef idx="minor">
-            <a:schemeClr val="tx1"/>
-          </a:fontRef>
-        </p:style>
-      </p:cxnSp>
-      <p:sp>
-        <p:nvSpPr>
           <p:cNvPr id="55" name="TextBox 54">
             <a:extLst>
               <a:ext uri="{FF2B5EF4-FFF2-40B4-BE49-F238E27FC236}">
@@ -4709,47 +4612,6 @@
                 <a:latin typeface="Consolas" panose="020B0609020204030204" pitchFamily="49" charset="0"/>
               </a:rPr>
               <a:t>Name</a:t>
-            </a:r>
-            <a:endParaRPr lang="en-SG" sz="1400" dirty="0">
-              <a:latin typeface="Consolas" panose="020B0609020204030204" pitchFamily="49" charset="0"/>
-            </a:endParaRPr>
-          </a:p>
-        </p:txBody>
-      </p:sp>
-      <p:sp>
-        <p:nvSpPr>
-          <p:cNvPr id="57" name="TextBox 56">
-            <a:extLst>
-              <a:ext uri="{FF2B5EF4-FFF2-40B4-BE49-F238E27FC236}">
-                <a16:creationId xmlns:a16="http://schemas.microsoft.com/office/drawing/2014/main" id="{EE53128D-43BD-9D24-62B5-0C0F46BA43E8}"/>
-              </a:ext>
-            </a:extLst>
-          </p:cNvPr>
-          <p:cNvSpPr txBox="1"/>
-          <p:nvPr/>
-        </p:nvSpPr>
-        <p:spPr>
-          <a:xfrm>
-            <a:off x="1428163" y="444616"/>
-            <a:ext cx="916869" cy="276999"/>
-          </a:xfrm>
-          <a:prstGeom prst="rect">
-            <a:avLst/>
-          </a:prstGeom>
-          <a:noFill/>
-        </p:spPr>
-        <p:txBody>
-          <a:bodyPr wrap="square" rtlCol="0">
-            <a:spAutoFit/>
-          </a:bodyPr>
-          <a:lstStyle/>
-          <a:p>
-            <a:pPr algn="ctr"/>
-            <a:r>
-              <a:rPr lang="en-SG" sz="1200" dirty="0">
-                <a:latin typeface="Consolas" panose="020B0609020204030204" pitchFamily="49" charset="0"/>
-              </a:rPr>
-              <a:t>Country</a:t>
             </a:r>
             <a:endParaRPr lang="en-SG" sz="1400" dirty="0">
               <a:latin typeface="Consolas" panose="020B0609020204030204" pitchFamily="49" charset="0"/>
@@ -7283,10 +7145,10 @@
         </p:nvGrpSpPr>
         <p:grpSpPr>
           <a:xfrm>
-            <a:off x="5305110" y="2608535"/>
-            <a:ext cx="1800000" cy="900000"/>
-            <a:chOff x="3074504" y="1020417"/>
-            <a:chExt cx="1260000" cy="468000"/>
+            <a:off x="5395596" y="2608535"/>
+            <a:ext cx="1625232" cy="899356"/>
+            <a:chOff x="3137843" y="1020417"/>
+            <a:chExt cx="1137662" cy="468000"/>
           </a:xfrm>
         </p:grpSpPr>
         <p:sp>
@@ -7303,8 +7165,8 @@
           </p:nvSpPr>
           <p:spPr>
             <a:xfrm>
-              <a:off x="3074504" y="1020417"/>
-              <a:ext cx="1260000" cy="468000"/>
+              <a:off x="3137843" y="1020417"/>
+              <a:ext cx="1137662" cy="468000"/>
             </a:xfrm>
             <a:prstGeom prst="diamond">
               <a:avLst/>
@@ -7397,8 +7259,8 @@
         </p:nvCxnSpPr>
         <p:spPr>
           <a:xfrm flipV="1">
-            <a:off x="4741070" y="3058535"/>
-            <a:ext cx="564040" cy="338715"/>
+            <a:off x="4741070" y="3058213"/>
+            <a:ext cx="654526" cy="339037"/>
           </a:xfrm>
           <a:prstGeom prst="line">
             <a:avLst/>
@@ -7441,8 +7303,8 @@
         </p:nvCxnSpPr>
         <p:spPr>
           <a:xfrm>
-            <a:off x="7105110" y="3058535"/>
-            <a:ext cx="578390" cy="263908"/>
+            <a:off x="7020828" y="3058213"/>
+            <a:ext cx="662672" cy="264230"/>
           </a:xfrm>
           <a:prstGeom prst="line">
             <a:avLst/>
@@ -7484,8 +7346,8 @@
         </p:nvCxnSpPr>
         <p:spPr>
           <a:xfrm>
-            <a:off x="6206043" y="3512176"/>
-            <a:ext cx="0" cy="377076"/>
+            <a:off x="6206043" y="3570586"/>
+            <a:ext cx="0" cy="318666"/>
           </a:xfrm>
           <a:prstGeom prst="line">
             <a:avLst/>
@@ -7565,8 +7427,8 @@
         </p:nvCxnSpPr>
         <p:spPr>
           <a:xfrm flipV="1">
-            <a:off x="6900863" y="721615"/>
-            <a:ext cx="45058" cy="905573"/>
+            <a:off x="6900863" y="817174"/>
+            <a:ext cx="216000" cy="810014"/>
           </a:xfrm>
           <a:prstGeom prst="line">
             <a:avLst/>
@@ -7607,7 +7469,7 @@
         </p:nvSpPr>
         <p:spPr>
           <a:xfrm>
-            <a:off x="6828847" y="505615"/>
+            <a:off x="7034761" y="601174"/>
             <a:ext cx="216000" cy="216000"/>
           </a:xfrm>
           <a:prstGeom prst="ellipse">
@@ -7661,7 +7523,7 @@
         </p:nvSpPr>
         <p:spPr>
           <a:xfrm>
-            <a:off x="6661386" y="60027"/>
+            <a:off x="7046023" y="199641"/>
             <a:ext cx="1319400" cy="461665"/>
           </a:xfrm>
           <a:prstGeom prst="rect">
@@ -7701,8 +7563,8 @@
         </p:nvCxnSpPr>
         <p:spPr>
           <a:xfrm flipH="1">
-            <a:off x="6529448" y="700043"/>
-            <a:ext cx="37895" cy="730295"/>
+            <a:off x="6529448" y="728152"/>
+            <a:ext cx="149283" cy="702186"/>
           </a:xfrm>
           <a:prstGeom prst="line">
             <a:avLst/>
@@ -7742,7 +7604,7 @@
         </p:nvSpPr>
         <p:spPr>
           <a:xfrm>
-            <a:off x="6462731" y="475115"/>
+            <a:off x="6584240" y="517058"/>
             <a:ext cx="216000" cy="216000"/>
           </a:xfrm>
           <a:prstGeom prst="ellipse">
@@ -7796,7 +7658,7 @@
         </p:nvSpPr>
         <p:spPr>
           <a:xfrm>
-            <a:off x="6060719" y="70992"/>
+            <a:off x="6318639" y="106194"/>
             <a:ext cx="995266" cy="461665"/>
           </a:xfrm>
           <a:prstGeom prst="rect">
@@ -7837,9 +7699,9 @@
           <p:nvPr/>
         </p:nvCxnSpPr>
         <p:spPr>
-          <a:xfrm>
-            <a:off x="6158240" y="606617"/>
-            <a:ext cx="24520" cy="653685"/>
+          <a:xfrm flipH="1">
+            <a:off x="6182760" y="645359"/>
+            <a:ext cx="22891" cy="614943"/>
           </a:xfrm>
           <a:prstGeom prst="line">
             <a:avLst/>
@@ -7879,7 +7741,7 @@
         </p:nvSpPr>
         <p:spPr>
           <a:xfrm>
-            <a:off x="6050240" y="390617"/>
+            <a:off x="6097651" y="429359"/>
             <a:ext cx="216000" cy="216000"/>
           </a:xfrm>
           <a:prstGeom prst="ellipse">
@@ -7933,7 +7795,7 @@
         </p:nvSpPr>
         <p:spPr>
           <a:xfrm>
-            <a:off x="5658333" y="174538"/>
+            <a:off x="5739479" y="187555"/>
             <a:ext cx="995266" cy="276999"/>
           </a:xfrm>
           <a:prstGeom prst="rect">
@@ -8071,8 +7933,8 @@
         </p:nvCxnSpPr>
         <p:spPr>
           <a:xfrm>
-            <a:off x="5249240" y="659312"/>
-            <a:ext cx="193430" cy="967876"/>
+            <a:off x="5230502" y="746483"/>
+            <a:ext cx="383487" cy="798633"/>
           </a:xfrm>
           <a:prstGeom prst="line">
             <a:avLst/>
@@ -8112,8 +7974,8 @@
         </p:nvSpPr>
         <p:spPr>
           <a:xfrm>
-            <a:off x="5129574" y="444616"/>
-            <a:ext cx="216000" cy="216000"/>
+            <a:off x="5066885" y="535679"/>
+            <a:ext cx="216000" cy="232816"/>
           </a:xfrm>
           <a:prstGeom prst="ellipse">
             <a:avLst/>
@@ -8148,7 +8010,7 @@
           <a:lstStyle/>
           <a:p>
             <a:pPr algn="ctr"/>
-            <a:endParaRPr lang="en-GB"/>
+            <a:endParaRPr lang="en-GB" dirty="0"/>
           </a:p>
         </p:txBody>
       </p:sp>
@@ -8166,7 +8028,7 @@
         </p:nvSpPr>
         <p:spPr>
           <a:xfrm>
-            <a:off x="4621699" y="218337"/>
+            <a:off x="4564922" y="301963"/>
             <a:ext cx="995266" cy="276999"/>
           </a:xfrm>
           <a:prstGeom prst="rect">
@@ -9459,6 +9321,141 @@
           <a:p>
             <a:pPr algn="ctr"/>
             <a:endParaRPr lang="en-GB" dirty="0"/>
+          </a:p>
+        </p:txBody>
+      </p:sp>
+      <p:sp>
+        <p:nvSpPr>
+          <p:cNvPr id="44" name="Oval 43">
+            <a:extLst>
+              <a:ext uri="{FF2B5EF4-FFF2-40B4-BE49-F238E27FC236}">
+                <a16:creationId xmlns:a16="http://schemas.microsoft.com/office/drawing/2014/main" id="{CBCCFE4A-E0BD-770E-C5FE-81E39D00BE1E}"/>
+              </a:ext>
+            </a:extLst>
+          </p:cNvPr>
+          <p:cNvSpPr/>
+          <p:nvPr/>
+        </p:nvSpPr>
+        <p:spPr>
+          <a:xfrm>
+            <a:off x="7079820" y="5612826"/>
+            <a:ext cx="216000" cy="216000"/>
+          </a:xfrm>
+          <a:prstGeom prst="ellipse">
+            <a:avLst/>
+          </a:prstGeom>
+          <a:solidFill>
+            <a:schemeClr val="tx1"/>
+          </a:solidFill>
+          <a:ln w="19050">
+            <a:solidFill>
+              <a:schemeClr val="tx1"/>
+            </a:solidFill>
+          </a:ln>
+        </p:spPr>
+        <p:style>
+          <a:lnRef idx="2">
+            <a:schemeClr val="accent1">
+              <a:shade val="15000"/>
+            </a:schemeClr>
+          </a:lnRef>
+          <a:fillRef idx="1">
+            <a:schemeClr val="accent1"/>
+          </a:fillRef>
+          <a:effectRef idx="0">
+            <a:schemeClr val="accent1"/>
+          </a:effectRef>
+          <a:fontRef idx="minor">
+            <a:schemeClr val="lt1"/>
+          </a:fontRef>
+        </p:style>
+        <p:txBody>
+          <a:bodyPr rtlCol="0" anchor="ctr"/>
+          <a:lstStyle/>
+          <a:p>
+            <a:pPr algn="ctr"/>
+            <a:endParaRPr lang="en-GB" dirty="0"/>
+          </a:p>
+        </p:txBody>
+      </p:sp>
+      <p:cxnSp>
+        <p:nvCxnSpPr>
+          <p:cNvPr id="47" name="Straight Connector 46">
+            <a:extLst>
+              <a:ext uri="{FF2B5EF4-FFF2-40B4-BE49-F238E27FC236}">
+                <a16:creationId xmlns:a16="http://schemas.microsoft.com/office/drawing/2014/main" id="{D7EA4469-A75A-2D6C-2DCA-223F63528EB5}"/>
+              </a:ext>
+            </a:extLst>
+          </p:cNvPr>
+          <p:cNvCxnSpPr>
+            <a:cxnSpLocks/>
+          </p:cNvCxnSpPr>
+          <p:nvPr/>
+        </p:nvCxnSpPr>
+        <p:spPr>
+          <a:xfrm>
+            <a:off x="6822972" y="5723809"/>
+            <a:ext cx="443749" cy="0"/>
+          </a:xfrm>
+          <a:prstGeom prst="line">
+            <a:avLst/>
+          </a:prstGeom>
+          <a:ln w="19050">
+            <a:solidFill>
+              <a:schemeClr val="tx1"/>
+            </a:solidFill>
+          </a:ln>
+        </p:spPr>
+        <p:style>
+          <a:lnRef idx="1">
+            <a:schemeClr val="accent1"/>
+          </a:lnRef>
+          <a:fillRef idx="0">
+            <a:schemeClr val="accent1"/>
+          </a:fillRef>
+          <a:effectRef idx="0">
+            <a:schemeClr val="accent1"/>
+          </a:effectRef>
+          <a:fontRef idx="minor">
+            <a:schemeClr val="tx1"/>
+          </a:fontRef>
+        </p:style>
+      </p:cxnSp>
+      <p:sp>
+        <p:nvSpPr>
+          <p:cNvPr id="50" name="TextBox 49">
+            <a:extLst>
+              <a:ext uri="{FF2B5EF4-FFF2-40B4-BE49-F238E27FC236}">
+                <a16:creationId xmlns:a16="http://schemas.microsoft.com/office/drawing/2014/main" id="{CA8C60FB-9A98-FF58-1904-A97DAC831C26}"/>
+              </a:ext>
+            </a:extLst>
+          </p:cNvPr>
+          <p:cNvSpPr txBox="1"/>
+          <p:nvPr/>
+        </p:nvSpPr>
+        <p:spPr>
+          <a:xfrm>
+            <a:off x="7235805" y="5573998"/>
+            <a:ext cx="782444" cy="276999"/>
+          </a:xfrm>
+          <a:prstGeom prst="rect">
+            <a:avLst/>
+          </a:prstGeom>
+          <a:noFill/>
+        </p:spPr>
+        <p:txBody>
+          <a:bodyPr wrap="square" rtlCol="0">
+            <a:spAutoFit/>
+          </a:bodyPr>
+          <a:lstStyle/>
+          <a:p>
+            <a:pPr algn="ctr"/>
+            <a:r>
+              <a:rPr lang="en-SG" sz="1200" dirty="0">
+                <a:latin typeface="Consolas" panose="020B0609020204030204" pitchFamily="49" charset="0"/>
+              </a:rPr>
+              <a:t>Reason</a:t>
+            </a:r>
           </a:p>
         </p:txBody>
       </p:sp>
